--- a/資料/UFOライドVR(仮名).pptx
+++ b/資料/UFOライドVR(仮名).pptx
@@ -8,6 +8,7 @@
     <p:sldId id="256" r:id="rId2"/>
     <p:sldId id="257" r:id="rId3"/>
     <p:sldId id="258" r:id="rId4"/>
+    <p:sldId id="259" r:id="rId5"/>
   </p:sldIdLst>
   <p:sldSz cx="12192000" cy="6858000"/>
   <p:notesSz cx="6858000" cy="9144000"/>
@@ -616,7 +617,7 @@
           <a:p>
             <a:fld id="{6A38ED5B-110D-42D4-9FB4-86B84F0734BD}" type="datetimeFigureOut">
               <a:rPr kumimoji="1" lang="ja-JP" altLang="en-US" smtClean="0"/>
-              <a:t>2017/3/14</a:t>
+              <a:t>2017/3/16</a:t>
             </a:fld>
             <a:endParaRPr kumimoji="1" lang="ja-JP" altLang="en-US"/>
           </a:p>
@@ -912,7 +913,7 @@
           <a:p>
             <a:fld id="{6A38ED5B-110D-42D4-9FB4-86B84F0734BD}" type="datetimeFigureOut">
               <a:rPr kumimoji="1" lang="ja-JP" altLang="en-US" smtClean="0"/>
-              <a:t>2017/3/14</a:t>
+              <a:t>2017/3/16</a:t>
             </a:fld>
             <a:endParaRPr kumimoji="1" lang="ja-JP" altLang="en-US"/>
           </a:p>
@@ -1160,7 +1161,7 @@
           <a:p>
             <a:fld id="{6A38ED5B-110D-42D4-9FB4-86B84F0734BD}" type="datetimeFigureOut">
               <a:rPr kumimoji="1" lang="ja-JP" altLang="en-US" smtClean="0"/>
-              <a:t>2017/3/14</a:t>
+              <a:t>2017/3/16</a:t>
             </a:fld>
             <a:endParaRPr kumimoji="1" lang="ja-JP" altLang="en-US"/>
           </a:p>
@@ -1700,7 +1701,7 @@
           <a:p>
             <a:fld id="{6A38ED5B-110D-42D4-9FB4-86B84F0734BD}" type="datetimeFigureOut">
               <a:rPr kumimoji="1" lang="ja-JP" altLang="en-US" smtClean="0"/>
-              <a:t>2017/3/14</a:t>
+              <a:t>2017/3/16</a:t>
             </a:fld>
             <a:endParaRPr kumimoji="1" lang="ja-JP" altLang="en-US"/>
           </a:p>
@@ -1948,7 +1949,7 @@
           <a:p>
             <a:fld id="{6A38ED5B-110D-42D4-9FB4-86B84F0734BD}" type="datetimeFigureOut">
               <a:rPr kumimoji="1" lang="ja-JP" altLang="en-US" smtClean="0"/>
-              <a:t>2017/3/14</a:t>
+              <a:t>2017/3/16</a:t>
             </a:fld>
             <a:endParaRPr kumimoji="1" lang="ja-JP" altLang="en-US"/>
           </a:p>
@@ -2480,7 +2481,7 @@
           <a:p>
             <a:fld id="{6A38ED5B-110D-42D4-9FB4-86B84F0734BD}" type="datetimeFigureOut">
               <a:rPr kumimoji="1" lang="ja-JP" altLang="en-US" smtClean="0"/>
-              <a:t>2017/3/14</a:t>
+              <a:t>2017/3/16</a:t>
             </a:fld>
             <a:endParaRPr kumimoji="1" lang="ja-JP" altLang="en-US"/>
           </a:p>
@@ -2777,7 +2778,7 @@
           <a:p>
             <a:fld id="{6A38ED5B-110D-42D4-9FB4-86B84F0734BD}" type="datetimeFigureOut">
               <a:rPr kumimoji="1" lang="ja-JP" altLang="en-US" smtClean="0"/>
-              <a:t>2017/3/14</a:t>
+              <a:t>2017/3/16</a:t>
             </a:fld>
             <a:endParaRPr kumimoji="1" lang="ja-JP" altLang="en-US"/>
           </a:p>
@@ -2983,7 +2984,7 @@
           <a:p>
             <a:fld id="{6A38ED5B-110D-42D4-9FB4-86B84F0734BD}" type="datetimeFigureOut">
               <a:rPr kumimoji="1" lang="ja-JP" altLang="en-US" smtClean="0"/>
-              <a:t>2017/3/14</a:t>
+              <a:t>2017/3/16</a:t>
             </a:fld>
             <a:endParaRPr kumimoji="1" lang="ja-JP" altLang="en-US"/>
           </a:p>
@@ -3195,7 +3196,7 @@
           <a:p>
             <a:fld id="{6A38ED5B-110D-42D4-9FB4-86B84F0734BD}" type="datetimeFigureOut">
               <a:rPr kumimoji="1" lang="ja-JP" altLang="en-US" smtClean="0"/>
-              <a:t>2017/3/14</a:t>
+              <a:t>2017/3/16</a:t>
             </a:fld>
             <a:endParaRPr kumimoji="1" lang="ja-JP" altLang="en-US"/>
           </a:p>
@@ -3397,7 +3398,7 @@
           <a:p>
             <a:fld id="{6A38ED5B-110D-42D4-9FB4-86B84F0734BD}" type="datetimeFigureOut">
               <a:rPr kumimoji="1" lang="ja-JP" altLang="en-US" smtClean="0"/>
-              <a:t>2017/3/14</a:t>
+              <a:t>2017/3/16</a:t>
             </a:fld>
             <a:endParaRPr kumimoji="1" lang="ja-JP" altLang="en-US"/>
           </a:p>
@@ -3648,7 +3649,7 @@
           <a:p>
             <a:fld id="{6A38ED5B-110D-42D4-9FB4-86B84F0734BD}" type="datetimeFigureOut">
               <a:rPr kumimoji="1" lang="ja-JP" altLang="en-US" smtClean="0"/>
-              <a:t>2017/3/14</a:t>
+              <a:t>2017/3/16</a:t>
             </a:fld>
             <a:endParaRPr kumimoji="1" lang="ja-JP" altLang="en-US"/>
           </a:p>
@@ -4009,7 +4010,7 @@
           <a:p>
             <a:fld id="{6A38ED5B-110D-42D4-9FB4-86B84F0734BD}" type="datetimeFigureOut">
               <a:rPr kumimoji="1" lang="ja-JP" altLang="en-US" smtClean="0"/>
-              <a:t>2017/3/14</a:t>
+              <a:t>2017/3/16</a:t>
             </a:fld>
             <a:endParaRPr kumimoji="1" lang="ja-JP" altLang="en-US"/>
           </a:p>
@@ -4515,7 +4516,7 @@
           <a:p>
             <a:fld id="{6A38ED5B-110D-42D4-9FB4-86B84F0734BD}" type="datetimeFigureOut">
               <a:rPr kumimoji="1" lang="ja-JP" altLang="en-US" smtClean="0"/>
-              <a:t>2017/3/14</a:t>
+              <a:t>2017/3/16</a:t>
             </a:fld>
             <a:endParaRPr kumimoji="1" lang="ja-JP" altLang="en-US"/>
           </a:p>
@@ -4633,7 +4634,7 @@
           <a:p>
             <a:fld id="{6A38ED5B-110D-42D4-9FB4-86B84F0734BD}" type="datetimeFigureOut">
               <a:rPr kumimoji="1" lang="ja-JP" altLang="en-US" smtClean="0"/>
-              <a:t>2017/3/14</a:t>
+              <a:t>2017/3/16</a:t>
             </a:fld>
             <a:endParaRPr kumimoji="1" lang="ja-JP" altLang="en-US"/>
           </a:p>
@@ -4728,7 +4729,7 @@
           <a:p>
             <a:fld id="{6A38ED5B-110D-42D4-9FB4-86B84F0734BD}" type="datetimeFigureOut">
               <a:rPr kumimoji="1" lang="ja-JP" altLang="en-US" smtClean="0"/>
-              <a:t>2017/3/14</a:t>
+              <a:t>2017/3/16</a:t>
             </a:fld>
             <a:endParaRPr kumimoji="1" lang="ja-JP" altLang="en-US"/>
           </a:p>
@@ -5043,7 +5044,7 @@
           <a:p>
             <a:fld id="{6A38ED5B-110D-42D4-9FB4-86B84F0734BD}" type="datetimeFigureOut">
               <a:rPr kumimoji="1" lang="ja-JP" altLang="en-US" smtClean="0"/>
-              <a:t>2017/3/14</a:t>
+              <a:t>2017/3/16</a:t>
             </a:fld>
             <a:endParaRPr kumimoji="1" lang="ja-JP" altLang="en-US"/>
           </a:p>
@@ -5334,7 +5335,7 @@
           <a:p>
             <a:fld id="{6A38ED5B-110D-42D4-9FB4-86B84F0734BD}" type="datetimeFigureOut">
               <a:rPr kumimoji="1" lang="ja-JP" altLang="en-US" smtClean="0"/>
-              <a:t>2017/3/14</a:t>
+              <a:t>2017/3/16</a:t>
             </a:fld>
             <a:endParaRPr kumimoji="1" lang="ja-JP" altLang="en-US"/>
           </a:p>
@@ -5896,7 +5897,7 @@
           <a:p>
             <a:fld id="{6A38ED5B-110D-42D4-9FB4-86B84F0734BD}" type="datetimeFigureOut">
               <a:rPr kumimoji="1" lang="ja-JP" altLang="en-US" smtClean="0"/>
-              <a:t>2017/3/14</a:t>
+              <a:t>2017/3/16</a:t>
             </a:fld>
             <a:endParaRPr kumimoji="1" lang="ja-JP" altLang="en-US"/>
           </a:p>
@@ -6751,7 +6752,7 @@
           <a:p>
             <a:r>
               <a:rPr kumimoji="1" lang="ja-JP" altLang="en-US" dirty="0" smtClean="0"/>
-              <a:t>必要素材・アセット</a:t>
+              <a:t>アセット</a:t>
             </a:r>
             <a:endParaRPr kumimoji="1" lang="ja-JP" altLang="en-US" dirty="0"/>
           </a:p>
@@ -6793,11 +6794,7 @@
             </a:r>
             <a:r>
               <a:rPr kumimoji="1" lang="ja-JP" altLang="en-US" dirty="0" smtClean="0"/>
-              <a:t>　街、</a:t>
-            </a:r>
-            <a:r>
-              <a:rPr kumimoji="1" lang="ja-JP" altLang="en-US" dirty="0" smtClean="0"/>
-              <a:t>ステージ、乗り物</a:t>
+              <a:t>　街、ステージ、乗り物</a:t>
             </a:r>
             <a:endParaRPr kumimoji="1" lang="en-US" altLang="ja-JP" dirty="0" smtClean="0"/>
           </a:p>
@@ -6865,26 +6862,13 @@
             </a:r>
             <a:r>
               <a:rPr lang="ja-JP" altLang="en-US" dirty="0" smtClean="0"/>
-              <a:t>シェーダーその他色々</a:t>
+              <a:t>シェーダーその他</a:t>
+            </a:r>
+            <a:r>
+              <a:rPr lang="ja-JP" altLang="en-US" dirty="0" smtClean="0"/>
+              <a:t>色々</a:t>
             </a:r>
             <a:endParaRPr lang="en-US" altLang="ja-JP" dirty="0" smtClean="0"/>
-          </a:p>
-          <a:p>
-            <a:endParaRPr lang="en-US" altLang="ja-JP" dirty="0"/>
-          </a:p>
-          <a:p>
-            <a:r>
-              <a:rPr lang="en-US" altLang="ja-JP" dirty="0"/>
-              <a:t>VOICEROID</a:t>
-            </a:r>
-            <a:r>
-              <a:rPr lang="ja-JP" altLang="en-US" dirty="0"/>
-              <a:t>　アナウンス</a:t>
-            </a:r>
-            <a:endParaRPr lang="en-US" altLang="ja-JP" dirty="0"/>
-          </a:p>
-          <a:p>
-            <a:endParaRPr lang="en-US" altLang="ja-JP" dirty="0"/>
           </a:p>
         </p:txBody>
       </p:sp>
@@ -6892,6 +6876,96 @@
     <p:extLst>
       <p:ext uri="{BB962C8B-B14F-4D97-AF65-F5344CB8AC3E}">
         <p14:creationId xmlns:p14="http://schemas.microsoft.com/office/powerpoint/2010/main" val="3095754792"/>
+      </p:ext>
+    </p:extLst>
+  </p:cSld>
+  <p:clrMapOvr>
+    <a:masterClrMapping/>
+  </p:clrMapOvr>
+</p:sld>
+</file>
+
+<file path=ppt/slides/slide4.xml><?xml version="1.0" encoding="utf-8"?>
+<p:sld xmlns:a="http://schemas.openxmlformats.org/drawingml/2006/main" xmlns:r="http://schemas.openxmlformats.org/officeDocument/2006/relationships" xmlns:p="http://schemas.openxmlformats.org/presentationml/2006/main">
+  <p:cSld>
+    <p:spTree>
+      <p:nvGrpSpPr>
+        <p:cNvPr id="1" name=""/>
+        <p:cNvGrpSpPr/>
+        <p:nvPr/>
+      </p:nvGrpSpPr>
+      <p:grpSpPr>
+        <a:xfrm>
+          <a:off x="0" y="0"/>
+          <a:ext cx="0" cy="0"/>
+          <a:chOff x="0" y="0"/>
+          <a:chExt cx="0" cy="0"/>
+        </a:xfrm>
+      </p:grpSpPr>
+      <p:sp>
+        <p:nvSpPr>
+          <p:cNvPr id="2" name="タイトル 1"/>
+          <p:cNvSpPr>
+            <a:spLocks noGrp="1"/>
+          </p:cNvSpPr>
+          <p:nvPr>
+            <p:ph type="title"/>
+          </p:nvPr>
+        </p:nvSpPr>
+        <p:spPr>
+          <a:xfrm>
+            <a:off x="1484310" y="0"/>
+            <a:ext cx="10018713" cy="792804"/>
+          </a:xfrm>
+        </p:spPr>
+        <p:txBody>
+          <a:bodyPr/>
+          <a:lstStyle/>
+          <a:p>
+            <a:r>
+              <a:rPr kumimoji="1" lang="ja-JP" altLang="en-US" dirty="0" smtClean="0"/>
+              <a:t>素材</a:t>
+            </a:r>
+            <a:endParaRPr kumimoji="1" lang="ja-JP" altLang="en-US" dirty="0"/>
+          </a:p>
+        </p:txBody>
+      </p:sp>
+      <p:sp>
+        <p:nvSpPr>
+          <p:cNvPr id="3" name="コンテンツ プレースホルダー 2"/>
+          <p:cNvSpPr>
+            <a:spLocks noGrp="1"/>
+          </p:cNvSpPr>
+          <p:nvPr>
+            <p:ph idx="1"/>
+          </p:nvPr>
+        </p:nvSpPr>
+        <p:spPr>
+          <a:xfrm>
+            <a:off x="1484310" y="992221"/>
+            <a:ext cx="10018713" cy="4798979"/>
+          </a:xfrm>
+        </p:spPr>
+        <p:txBody>
+          <a:bodyPr/>
+          <a:lstStyle/>
+          <a:p>
+            <a:r>
+              <a:rPr kumimoji="1" lang="ja-JP" altLang="en-US" dirty="0" smtClean="0"/>
+              <a:t>効果音　効果音ラボ、</a:t>
+            </a:r>
+            <a:r>
+              <a:rPr kumimoji="1" lang="en-US" altLang="ja-JP" smtClean="0"/>
+              <a:t>Senses Circuit</a:t>
+            </a:r>
+            <a:endParaRPr kumimoji="1" lang="ja-JP" altLang="en-US" dirty="0"/>
+          </a:p>
+        </p:txBody>
+      </p:sp>
+    </p:spTree>
+    <p:extLst>
+      <p:ext uri="{BB962C8B-B14F-4D97-AF65-F5344CB8AC3E}">
+        <p14:creationId xmlns:p14="http://schemas.microsoft.com/office/powerpoint/2010/main" val="2698823049"/>
       </p:ext>
     </p:extLst>
   </p:cSld>
